--- a/tour_project_04.pptx
+++ b/tour_project_04.pptx
@@ -5470,60 +5470,6 @@
           </a:p>
         </p:txBody>
       </p:sp>
-      <p:sp>
-        <p:nvSpPr>
-          <p:cNvPr id="17" name="TextBox 16">
-            <a:extLst>
-              <a:ext uri="{FF2B5EF4-FFF2-40B4-BE49-F238E27FC236}">
-                <a16:creationId xmlns:a16="http://schemas.microsoft.com/office/drawing/2014/main" id="{68566875-F742-43B6-8CFC-F95662D18BE7}"/>
-              </a:ext>
-            </a:extLst>
-          </p:cNvPr>
-          <p:cNvSpPr txBox="1"/>
-          <p:nvPr/>
-        </p:nvSpPr>
-        <p:spPr>
-          <a:xfrm>
-            <a:off x="441438" y="356959"/>
-            <a:ext cx="1925527" cy="769441"/>
-          </a:xfrm>
-          <a:prstGeom prst="rect">
-            <a:avLst/>
-          </a:prstGeom>
-          <a:noFill/>
-        </p:spPr>
-        <p:txBody>
-          <a:bodyPr wrap="none" rtlCol="0">
-            <a:spAutoFit/>
-          </a:bodyPr>
-          <a:lstStyle/>
-          <a:p>
-            <a:r>
-              <a:rPr lang="en-US" altLang="ko-KR" sz="4400" dirty="0">
-                <a:solidFill>
-                  <a:schemeClr val="tx1">
-                    <a:lumMod val="85000"/>
-                    <a:lumOff val="15000"/>
-                  </a:schemeClr>
-                </a:solidFill>
-                <a:latin typeface="+mj-ea"/>
-                <a:ea typeface="+mj-ea"/>
-              </a:rPr>
-              <a:t>Spring</a:t>
-            </a:r>
-            <a:endParaRPr lang="ko-KR" altLang="en-US" sz="4400" dirty="0">
-              <a:solidFill>
-                <a:schemeClr val="tx1">
-                  <a:lumMod val="85000"/>
-                  <a:lumOff val="15000"/>
-                </a:schemeClr>
-              </a:solidFill>
-              <a:latin typeface="+mj-ea"/>
-              <a:ea typeface="+mj-ea"/>
-            </a:endParaRPr>
-          </a:p>
-        </p:txBody>
-      </p:sp>
       <p:cxnSp>
         <p:nvCxnSpPr>
           <p:cNvPr id="18" name="직선 연결선 17">
@@ -5680,8 +5626,8 @@
         </p:blipFill>
         <p:spPr>
           <a:xfrm>
-            <a:off x="914399" y="1170226"/>
-            <a:ext cx="10050519" cy="5407787"/>
+            <a:off x="77766" y="141516"/>
+            <a:ext cx="11921944" cy="6414727"/>
           </a:xfrm>
           <a:prstGeom prst="rect">
             <a:avLst/>
@@ -7597,6 +7543,166 @@
               <a:t>(AOP)</a:t>
             </a:r>
             <a:endParaRPr lang="ko-KR" altLang="en-US" dirty="0"/>
+          </a:p>
+        </p:txBody>
+      </p:sp>
+      <p:sp>
+        <p:nvSpPr>
+          <p:cNvPr id="12" name="TextBox 11">
+            <a:extLst>
+              <a:ext uri="{FF2B5EF4-FFF2-40B4-BE49-F238E27FC236}">
+                <a16:creationId xmlns:a16="http://schemas.microsoft.com/office/drawing/2014/main" id="{286C979C-D5BA-4B81-B495-DF29CA72209F}"/>
+              </a:ext>
+            </a:extLst>
+          </p:cNvPr>
+          <p:cNvSpPr txBox="1"/>
+          <p:nvPr/>
+        </p:nvSpPr>
+        <p:spPr>
+          <a:xfrm>
+            <a:off x="6730321" y="1565938"/>
+            <a:ext cx="3748485" cy="400110"/>
+          </a:xfrm>
+          <a:prstGeom prst="rect">
+            <a:avLst/>
+          </a:prstGeom>
+          <a:noFill/>
+        </p:spPr>
+        <p:txBody>
+          <a:bodyPr wrap="square" rtlCol="0">
+            <a:spAutoFit/>
+          </a:bodyPr>
+          <a:lstStyle/>
+          <a:p>
+            <a:pPr algn="ctr"/>
+            <a:r>
+              <a:rPr lang="en-US" altLang="ko-KR" sz="2000" dirty="0"/>
+              <a:t>Getter,</a:t>
+            </a:r>
+            <a:r>
+              <a:rPr lang="ko-KR" altLang="en-US" sz="2000" dirty="0"/>
+              <a:t> </a:t>
+            </a:r>
+            <a:r>
+              <a:rPr lang="en-US" altLang="ko-KR" sz="2000" dirty="0"/>
+              <a:t>Setter</a:t>
+            </a:r>
+            <a:endParaRPr lang="ko-KR" altLang="en-US" sz="2000" dirty="0"/>
+          </a:p>
+        </p:txBody>
+      </p:sp>
+      <p:sp>
+        <p:nvSpPr>
+          <p:cNvPr id="13" name="TextBox 12">
+            <a:extLst>
+              <a:ext uri="{FF2B5EF4-FFF2-40B4-BE49-F238E27FC236}">
+                <a16:creationId xmlns:a16="http://schemas.microsoft.com/office/drawing/2014/main" id="{64EAF743-54C1-490B-8C04-6CB9558FA765}"/>
+              </a:ext>
+            </a:extLst>
+          </p:cNvPr>
+          <p:cNvSpPr txBox="1"/>
+          <p:nvPr/>
+        </p:nvSpPr>
+        <p:spPr>
+          <a:xfrm>
+            <a:off x="6730320" y="3068857"/>
+            <a:ext cx="3748485" cy="400110"/>
+          </a:xfrm>
+          <a:prstGeom prst="rect">
+            <a:avLst/>
+          </a:prstGeom>
+          <a:noFill/>
+        </p:spPr>
+        <p:txBody>
+          <a:bodyPr wrap="square" rtlCol="0">
+            <a:spAutoFit/>
+          </a:bodyPr>
+          <a:lstStyle/>
+          <a:p>
+            <a:pPr algn="ctr"/>
+            <a:r>
+              <a:rPr lang="en-US" altLang="ko-KR" sz="2000" dirty="0"/>
+              <a:t>@</a:t>
+            </a:r>
+            <a:r>
+              <a:rPr lang="en-US" altLang="ko-KR" sz="2000" dirty="0" err="1"/>
+              <a:t>AutoWired</a:t>
+            </a:r>
+            <a:endParaRPr lang="ko-KR" altLang="en-US" sz="2000" dirty="0"/>
+          </a:p>
+        </p:txBody>
+      </p:sp>
+      <p:sp>
+        <p:nvSpPr>
+          <p:cNvPr id="14" name="TextBox 13">
+            <a:extLst>
+              <a:ext uri="{FF2B5EF4-FFF2-40B4-BE49-F238E27FC236}">
+                <a16:creationId xmlns:a16="http://schemas.microsoft.com/office/drawing/2014/main" id="{50A1FFEC-2772-436C-81CB-4CFE41780EE1}"/>
+              </a:ext>
+            </a:extLst>
+          </p:cNvPr>
+          <p:cNvSpPr txBox="1"/>
+          <p:nvPr/>
+        </p:nvSpPr>
+        <p:spPr>
+          <a:xfrm>
+            <a:off x="6730319" y="4582510"/>
+            <a:ext cx="3748485" cy="400110"/>
+          </a:xfrm>
+          <a:prstGeom prst="rect">
+            <a:avLst/>
+          </a:prstGeom>
+          <a:noFill/>
+        </p:spPr>
+        <p:txBody>
+          <a:bodyPr wrap="square" rtlCol="0">
+            <a:spAutoFit/>
+          </a:bodyPr>
+          <a:lstStyle/>
+          <a:p>
+            <a:pPr algn="ctr"/>
+            <a:r>
+              <a:rPr lang="en-US" altLang="ko-KR" sz="2000" dirty="0"/>
+              <a:t>JavaBean</a:t>
+            </a:r>
+            <a:endParaRPr lang="ko-KR" altLang="en-US" sz="2000" dirty="0"/>
+          </a:p>
+        </p:txBody>
+      </p:sp>
+      <p:sp>
+        <p:nvSpPr>
+          <p:cNvPr id="15" name="TextBox 14">
+            <a:extLst>
+              <a:ext uri="{FF2B5EF4-FFF2-40B4-BE49-F238E27FC236}">
+                <a16:creationId xmlns:a16="http://schemas.microsoft.com/office/drawing/2014/main" id="{FC113B9C-39BB-41C3-936D-EF81C930A053}"/>
+              </a:ext>
+            </a:extLst>
+          </p:cNvPr>
+          <p:cNvSpPr txBox="1"/>
+          <p:nvPr/>
+        </p:nvSpPr>
+        <p:spPr>
+          <a:xfrm>
+            <a:off x="6730318" y="6099122"/>
+            <a:ext cx="3748485" cy="400110"/>
+          </a:xfrm>
+          <a:prstGeom prst="rect">
+            <a:avLst/>
+          </a:prstGeom>
+          <a:noFill/>
+        </p:spPr>
+        <p:txBody>
+          <a:bodyPr wrap="square" rtlCol="0">
+            <a:spAutoFit/>
+          </a:bodyPr>
+          <a:lstStyle/>
+          <a:p>
+            <a:pPr algn="ctr"/>
+            <a:r>
+              <a:rPr lang="en-US" altLang="ko-KR" sz="2000" dirty="0"/>
+              <a:t>Aspect</a:t>
+            </a:r>
+            <a:endParaRPr lang="ko-KR" altLang="en-US" sz="2000" dirty="0"/>
           </a:p>
         </p:txBody>
       </p:sp>
